--- a/3. A hódító háborúk társadalmi és politikai következményei a Római Köztársaság korában.pptx
+++ b/3. A hódító háborúk társadalmi és politikai következményei a Római Köztársaság korában.pptx
@@ -3658,7 +3658,7 @@
         </p:nvSpPr>
         <p:spPr>
           <a:xfrm>
-            <a:off x="839788" y="1379159"/>
+            <a:off x="839788" y="1351166"/>
             <a:ext cx="5157787" cy="823912"/>
           </a:xfrm>
         </p:spPr>
@@ -3757,7 +3757,7 @@
         </p:nvSpPr>
         <p:spPr>
           <a:xfrm>
-            <a:off x="6172200" y="1379159"/>
+            <a:off x="6172200" y="1351166"/>
             <a:ext cx="5183188" cy="823912"/>
           </a:xfrm>
         </p:spPr>
@@ -3889,7 +3889,7 @@
           <a:lstStyle/>
           <a:p>
             <a:r>
-              <a:rPr lang="hu-HU" b="1" dirty="0">
+              <a:rPr lang="hu-HU" b="1">
                 <a:solidFill>
                   <a:schemeClr val="accent2">
                     <a:lumMod val="75000"/>
@@ -3898,6 +3898,13 @@
               </a:rPr>
               <a:t>A megoldás</a:t>
             </a:r>
+            <a:endParaRPr lang="hu-HU" b="1" dirty="0">
+              <a:solidFill>
+                <a:schemeClr val="accent2">
+                  <a:lumMod val="75000"/>
+                </a:schemeClr>
+              </a:solidFill>
+            </a:endParaRPr>
           </a:p>
         </p:txBody>
       </p:sp>
@@ -3929,46 +3936,47 @@
           <a:p>
             <a:pPr algn="just"/>
             <a:r>
-              <a:rPr lang="hu-HU" dirty="0"/>
+              <a:rPr lang="hu-HU"/>
               <a:t>Julius Caesar új provinciákat csatolt a birodalomhoz, megerősödött.</a:t>
             </a:r>
           </a:p>
           <a:p>
             <a:pPr algn="just"/>
             <a:r>
-              <a:rPr lang="hu-HU" dirty="0"/>
+              <a:rPr lang="hu-HU"/>
               <a:t>A szenátus felszólította, hogy térjen vissza Rómába a hadserege nélkül.</a:t>
             </a:r>
           </a:p>
           <a:p>
             <a:pPr algn="just"/>
             <a:r>
-              <a:rPr lang="hu-HU" dirty="0"/>
+              <a:rPr lang="hu-HU"/>
               <a:t>Caesar teljhatalommal tért haza.</a:t>
             </a:r>
           </a:p>
           <a:p>
             <a:pPr algn="just"/>
             <a:r>
-              <a:rPr lang="hu-HU" dirty="0"/>
+              <a:rPr lang="hu-HU"/>
               <a:t>Hadsereg megreformálása: proletárok besorozása, veteránok földosztása.</a:t>
             </a:r>
           </a:p>
           <a:p>
             <a:pPr algn="just"/>
             <a:r>
-              <a:rPr lang="hu-HU" dirty="0"/>
+              <a:rPr lang="hu-HU"/>
               <a:t>Polgárjog biztosítása a birodalomban élő népeknek.</a:t>
             </a:r>
+            <a:endParaRPr lang="hu-HU" dirty="0"/>
           </a:p>
         </p:txBody>
       </p:sp>
       <p:pic>
         <p:nvPicPr>
-          <p:cNvPr id="1026" name="Picture 2" descr="History Department Uncovers Concrete Evidence that Julius Caesar was, in  fact, not a Dartmouth Alumnus – The Dartmouth Jack-o-Lantern">
-            <a:extLst>
-              <a:ext uri="{FF2B5EF4-FFF2-40B4-BE49-F238E27FC236}">
-                <a16:creationId xmlns:a16="http://schemas.microsoft.com/office/drawing/2014/main" id="{30DB9AAC-920B-4067-A287-CF87F1A99990}"/>
+          <p:cNvPr id="6" name="Picture 2" descr="History Department Uncovers Concrete Evidence that Julius Caesar was, in  fact, not a Dartmouth Alumnus – The Dartmouth Jack-o-Lantern">
+            <a:extLst>
+              <a:ext uri="{FF2B5EF4-FFF2-40B4-BE49-F238E27FC236}">
+                <a16:creationId xmlns:a16="http://schemas.microsoft.com/office/drawing/2014/main" id="{6F2B84CB-5329-8495-7425-0FA81BC2A761}"/>
               </a:ext>
             </a:extLst>
           </p:cNvPr>
@@ -3977,7 +3985,7 @@
           </p:cNvPicPr>
           <p:nvPr/>
         </p:nvPicPr>
-        <p:blipFill>
+        <p:blipFill rotWithShape="1">
           <a:blip r:embed="rId2">
             <a:extLst>
               <a:ext uri="{28A0092B-C50C-407E-A947-70E740481C1C}">
@@ -3985,19 +3993,365 @@
               </a:ext>
             </a:extLst>
           </a:blip>
-          <a:srcRect/>
-          <a:stretch>
-            <a:fillRect/>
-          </a:stretch>
+          <a:srcRect l="14702" r="2" b="15069"/>
+          <a:stretch/>
         </p:blipFill>
         <p:spPr bwMode="auto">
           <a:xfrm>
-            <a:off x="0" y="0"/>
-            <a:ext cx="5189537" cy="6858000"/>
+            <a:off x="1" y="0"/>
+            <a:ext cx="5250814" cy="6857990"/>
           </a:xfrm>
-          <a:prstGeom prst="rect">
+          <a:custGeom>
             <a:avLst/>
-          </a:prstGeom>
+            <a:gdLst/>
+            <a:ahLst/>
+            <a:cxnLst/>
+            <a:rect l="l" t="t" r="r" b="b"/>
+            <a:pathLst>
+              <a:path w="6116569" h="6879321">
+                <a:moveTo>
+                  <a:pt x="0" y="0"/>
+                </a:moveTo>
+                <a:lnTo>
+                  <a:pt x="2935851" y="0"/>
+                </a:lnTo>
+                <a:cubicBezTo>
+                  <a:pt x="3035710" y="10660"/>
+                  <a:pt x="3138421" y="17767"/>
+                  <a:pt x="3238280" y="31980"/>
+                </a:cubicBezTo>
+                <a:cubicBezTo>
+                  <a:pt x="3817462" y="106602"/>
+                  <a:pt x="3127009" y="277163"/>
+                  <a:pt x="3660541" y="550772"/>
+                </a:cubicBezTo>
+                <a:cubicBezTo>
+                  <a:pt x="3706191" y="575645"/>
+                  <a:pt x="3757546" y="579199"/>
+                  <a:pt x="3808902" y="589860"/>
+                </a:cubicBezTo>
+                <a:cubicBezTo>
+                  <a:pt x="4008620" y="625393"/>
+                  <a:pt x="4211192" y="618286"/>
+                  <a:pt x="4413762" y="625393"/>
+                </a:cubicBezTo>
+                <a:cubicBezTo>
+                  <a:pt x="4465118" y="628946"/>
+                  <a:pt x="4525033" y="625393"/>
+                  <a:pt x="4567830" y="721333"/>
+                </a:cubicBezTo>
+                <a:cubicBezTo>
+                  <a:pt x="4425175" y="724888"/>
+                  <a:pt x="4305344" y="731994"/>
+                  <a:pt x="4171247" y="792401"/>
+                </a:cubicBezTo>
+                <a:cubicBezTo>
+                  <a:pt x="4239722" y="859916"/>
+                  <a:pt x="4322462" y="795955"/>
+                  <a:pt x="4376671" y="842148"/>
+                </a:cubicBezTo>
+                <a:cubicBezTo>
+                  <a:pt x="4428027" y="888342"/>
+                  <a:pt x="4470824" y="891896"/>
+                  <a:pt x="4527887" y="813722"/>
+                </a:cubicBezTo>
+                <a:cubicBezTo>
+                  <a:pt x="4556417" y="774634"/>
+                  <a:pt x="4604920" y="778187"/>
+                  <a:pt x="4633452" y="799508"/>
+                </a:cubicBezTo>
+                <a:cubicBezTo>
+                  <a:pt x="4781813" y="913216"/>
+                  <a:pt x="4778960" y="909662"/>
+                  <a:pt x="4947293" y="870576"/>
+                </a:cubicBezTo>
+                <a:cubicBezTo>
+                  <a:pt x="5055712" y="845701"/>
+                  <a:pt x="5166983" y="806615"/>
+                  <a:pt x="5263988" y="820828"/>
+                </a:cubicBezTo>
+                <a:cubicBezTo>
+                  <a:pt x="5275401" y="867022"/>
+                  <a:pt x="5263988" y="888342"/>
+                  <a:pt x="5249723" y="895449"/>
+                </a:cubicBezTo>
+                <a:cubicBezTo>
+                  <a:pt x="5021475" y="1005604"/>
+                  <a:pt x="4975825" y="1122864"/>
+                  <a:pt x="4744723" y="1197485"/>
+                </a:cubicBezTo>
+                <a:cubicBezTo>
+                  <a:pt x="4724751" y="1268552"/>
+                  <a:pt x="4807491" y="1275660"/>
+                  <a:pt x="4767548" y="1346727"/>
+                </a:cubicBezTo>
+                <a:cubicBezTo>
+                  <a:pt x="4693367" y="1407134"/>
+                  <a:pt x="4610627" y="1346727"/>
+                  <a:pt x="4539299" y="1421348"/>
+                </a:cubicBezTo>
+                <a:cubicBezTo>
+                  <a:pt x="4550712" y="1471094"/>
+                  <a:pt x="4610627" y="1432008"/>
+                  <a:pt x="4607773" y="1485309"/>
+                </a:cubicBezTo>
+                <a:cubicBezTo>
+                  <a:pt x="4604920" y="1517288"/>
+                  <a:pt x="4593508" y="1527948"/>
+                  <a:pt x="4579242" y="1535055"/>
+                </a:cubicBezTo>
+                <a:cubicBezTo>
+                  <a:pt x="4776107" y="1538608"/>
+                  <a:pt x="5383820" y="1574142"/>
+                  <a:pt x="5278255" y="1609676"/>
+                </a:cubicBezTo>
+                <a:cubicBezTo>
+                  <a:pt x="5418057" y="1698511"/>
+                  <a:pt x="5623481" y="1609676"/>
+                  <a:pt x="5771843" y="1630997"/>
+                </a:cubicBezTo>
+                <a:cubicBezTo>
+                  <a:pt x="5925911" y="1652316"/>
+                  <a:pt x="6171278" y="1719830"/>
+                  <a:pt x="6105656" y="1748257"/>
+                </a:cubicBezTo>
+                <a:cubicBezTo>
+                  <a:pt x="6031475" y="1780238"/>
+                  <a:pt x="5766136" y="2146235"/>
+                  <a:pt x="5691955" y="2167555"/>
+                </a:cubicBezTo>
+                <a:cubicBezTo>
+                  <a:pt x="5606362" y="2188875"/>
+                  <a:pt x="5589243" y="2217302"/>
+                  <a:pt x="5475118" y="2348776"/>
+                </a:cubicBezTo>
+                <a:cubicBezTo>
+                  <a:pt x="5398085" y="2437610"/>
+                  <a:pt x="5709074" y="2238623"/>
+                  <a:pt x="5826051" y="2291922"/>
+                </a:cubicBezTo>
+                <a:cubicBezTo>
+                  <a:pt x="5868848" y="2309690"/>
+                  <a:pt x="5552153" y="2554872"/>
+                  <a:pt x="5552153" y="2597513"/>
+                </a:cubicBezTo>
+                <a:cubicBezTo>
+                  <a:pt x="5549300" y="2640153"/>
+                  <a:pt x="5577831" y="2647260"/>
+                  <a:pt x="5603508" y="2647260"/>
+                </a:cubicBezTo>
+                <a:cubicBezTo>
+                  <a:pt x="5660571" y="2647260"/>
+                  <a:pt x="5640599" y="2686346"/>
+                  <a:pt x="5700515" y="2679240"/>
+                </a:cubicBezTo>
+                <a:cubicBezTo>
+                  <a:pt x="5523622" y="2800055"/>
+                  <a:pt x="5418057" y="2778734"/>
+                  <a:pt x="5246870" y="2888889"/>
+                </a:cubicBezTo>
+                <a:cubicBezTo>
+                  <a:pt x="5164130" y="2942189"/>
+                  <a:pt x="4921615" y="3119857"/>
+                  <a:pt x="4836022" y="3169605"/>
+                </a:cubicBezTo>
+                <a:cubicBezTo>
+                  <a:pt x="4801785" y="3187371"/>
+                  <a:pt x="4758988" y="3173158"/>
+                  <a:pt x="4736163" y="3233565"/>
+                </a:cubicBezTo>
+                <a:cubicBezTo>
+                  <a:pt x="4770400" y="3279759"/>
+                  <a:pt x="4816050" y="3254885"/>
+                  <a:pt x="4853141" y="3233565"/>
+                </a:cubicBezTo>
+                <a:cubicBezTo>
+                  <a:pt x="4944440" y="3176711"/>
+                  <a:pt x="4935881" y="3190925"/>
+                  <a:pt x="4944440" y="3226459"/>
+                </a:cubicBezTo>
+                <a:cubicBezTo>
+                  <a:pt x="4972972" y="3350827"/>
+                  <a:pt x="5044300" y="3308186"/>
+                  <a:pt x="5109921" y="3283313"/>
+                </a:cubicBezTo>
+                <a:cubicBezTo>
+                  <a:pt x="5303932" y="3208692"/>
+                  <a:pt x="5500797" y="3215799"/>
+                  <a:pt x="5694809" y="3141178"/>
+                </a:cubicBezTo>
+                <a:cubicBezTo>
+                  <a:pt x="5714781" y="3134070"/>
+                  <a:pt x="5612068" y="3283313"/>
+                  <a:pt x="5566419" y="3301079"/>
+                </a:cubicBezTo>
+                <a:cubicBezTo>
+                  <a:pt x="5515063" y="3322399"/>
+                  <a:pt x="5452294" y="3311739"/>
+                  <a:pt x="5415203" y="3397020"/>
+                </a:cubicBezTo>
+                <a:cubicBezTo>
+                  <a:pt x="5477972" y="3414787"/>
+                  <a:pt x="5552153" y="3372147"/>
+                  <a:pt x="5612068" y="3432554"/>
+                </a:cubicBezTo>
+                <a:cubicBezTo>
+                  <a:pt x="5469413" y="3528494"/>
+                  <a:pt x="5329610" y="3535601"/>
+                  <a:pt x="5206927" y="3599562"/>
+                </a:cubicBezTo>
+                <a:cubicBezTo>
+                  <a:pt x="5192661" y="3706163"/>
+                  <a:pt x="5272548" y="3663523"/>
+                  <a:pt x="5301079" y="3723930"/>
+                </a:cubicBezTo>
+                <a:cubicBezTo>
+                  <a:pt x="5072830" y="3844745"/>
+                  <a:pt x="4564977" y="4232062"/>
+                  <a:pt x="4507915" y="4306683"/>
+                </a:cubicBezTo>
+                <a:cubicBezTo>
+                  <a:pt x="4390937" y="4463031"/>
+                  <a:pt x="3900202" y="4562525"/>
+                  <a:pt x="3982942" y="4587399"/>
+                </a:cubicBezTo>
+                <a:cubicBezTo>
+                  <a:pt x="4051417" y="4608719"/>
+                  <a:pt x="4119891" y="4587399"/>
+                  <a:pt x="4185513" y="4541205"/>
+                </a:cubicBezTo>
+                <a:cubicBezTo>
+                  <a:pt x="4291078" y="4466584"/>
+                  <a:pt x="5010062" y="4523438"/>
+                  <a:pt x="5212633" y="4455924"/>
+                </a:cubicBezTo>
+                <a:cubicBezTo>
+                  <a:pt x="5241164" y="4445264"/>
+                  <a:pt x="5283960" y="4409730"/>
+                  <a:pt x="5312492" y="4473691"/>
+                </a:cubicBezTo>
+                <a:cubicBezTo>
+                  <a:pt x="5098508" y="4704659"/>
+                  <a:pt x="4833169" y="4654913"/>
+                  <a:pt x="4596361" y="4818368"/>
+                </a:cubicBezTo>
+                <a:cubicBezTo>
+                  <a:pt x="4684807" y="4917861"/>
+                  <a:pt x="4776107" y="4907202"/>
+                  <a:pt x="4873113" y="4885882"/>
+                </a:cubicBezTo>
+                <a:cubicBezTo>
+                  <a:pt x="4895938" y="4878775"/>
+                  <a:pt x="4930175" y="4871668"/>
+                  <a:pt x="4935881" y="4914309"/>
+                </a:cubicBezTo>
+                <a:cubicBezTo>
+                  <a:pt x="4941587" y="4967609"/>
+                  <a:pt x="4898790" y="4978270"/>
+                  <a:pt x="4873113" y="5003143"/>
+                </a:cubicBezTo>
+                <a:cubicBezTo>
+                  <a:pt x="4833169" y="5038676"/>
+                  <a:pt x="4773254" y="4999590"/>
+                  <a:pt x="4721898" y="5095530"/>
+                </a:cubicBezTo>
+                <a:cubicBezTo>
+                  <a:pt x="4873113" y="5067104"/>
+                  <a:pt x="4998650" y="5020910"/>
+                  <a:pt x="5132745" y="4949842"/>
+                </a:cubicBezTo>
+                <a:cubicBezTo>
+                  <a:pt x="5121333" y="5006696"/>
+                  <a:pt x="5081390" y="5035123"/>
+                  <a:pt x="5101362" y="5081317"/>
+                </a:cubicBezTo>
+                <a:cubicBezTo>
+                  <a:pt x="5118480" y="5116850"/>
+                  <a:pt x="5164130" y="5131063"/>
+                  <a:pt x="5138452" y="5198578"/>
+                </a:cubicBezTo>
+                <a:cubicBezTo>
+                  <a:pt x="5067125" y="5273199"/>
+                  <a:pt x="4967265" y="5258986"/>
+                  <a:pt x="4904497" y="5362033"/>
+                </a:cubicBezTo>
+                <a:cubicBezTo>
+                  <a:pt x="4818903" y="5507721"/>
+                  <a:pt x="4684807" y="5564575"/>
+                  <a:pt x="4579242" y="5674729"/>
+                </a:cubicBezTo>
+                <a:cubicBezTo>
+                  <a:pt x="4545005" y="5713816"/>
+                  <a:pt x="4313903" y="5841738"/>
+                  <a:pt x="4253988" y="5884379"/>
+                </a:cubicBezTo>
+                <a:cubicBezTo>
+                  <a:pt x="4168395" y="5944786"/>
+                  <a:pt x="4071389" y="5966106"/>
+                  <a:pt x="3985795" y="6069153"/>
+                </a:cubicBezTo>
+                <a:cubicBezTo>
+                  <a:pt x="4065682" y="6086921"/>
+                  <a:pt x="4134157" y="5990979"/>
+                  <a:pt x="4231163" y="6030066"/>
+                </a:cubicBezTo>
+                <a:cubicBezTo>
+                  <a:pt x="4074242" y="6133114"/>
+                  <a:pt x="3931586" y="6182861"/>
+                  <a:pt x="3814609" y="6317889"/>
+                </a:cubicBezTo>
+                <a:cubicBezTo>
+                  <a:pt x="3800343" y="6335656"/>
+                  <a:pt x="3771812" y="6332102"/>
+                  <a:pt x="3751840" y="6339209"/>
+                </a:cubicBezTo>
+                <a:cubicBezTo>
+                  <a:pt x="3529298" y="6406723"/>
+                  <a:pt x="3309608" y="6467130"/>
+                  <a:pt x="3089919" y="6563071"/>
+                </a:cubicBezTo>
+                <a:cubicBezTo>
+                  <a:pt x="3041416" y="6584392"/>
+                  <a:pt x="2955823" y="6595052"/>
+                  <a:pt x="2961529" y="6662566"/>
+                </a:cubicBezTo>
+                <a:cubicBezTo>
+                  <a:pt x="2972941" y="6765613"/>
+                  <a:pt x="3055681" y="6687439"/>
+                  <a:pt x="3107038" y="6673226"/>
+                </a:cubicBezTo>
+                <a:cubicBezTo>
+                  <a:pt x="3269664" y="6634138"/>
+                  <a:pt x="3432292" y="6570178"/>
+                  <a:pt x="3594919" y="6591499"/>
+                </a:cubicBezTo>
+                <a:cubicBezTo>
+                  <a:pt x="3483648" y="6637693"/>
+                  <a:pt x="3372376" y="6680332"/>
+                  <a:pt x="3261106" y="6726527"/>
+                </a:cubicBezTo>
+                <a:cubicBezTo>
+                  <a:pt x="3386642" y="6705206"/>
+                  <a:pt x="3495061" y="6786934"/>
+                  <a:pt x="3620597" y="6740740"/>
+                </a:cubicBezTo>
+                <a:cubicBezTo>
+                  <a:pt x="3660541" y="6726527"/>
+                  <a:pt x="3700484" y="6765613"/>
+                  <a:pt x="3703337" y="6826020"/>
+                </a:cubicBezTo>
+                <a:cubicBezTo>
+                  <a:pt x="3706191" y="6847340"/>
+                  <a:pt x="3700484" y="6865108"/>
+                  <a:pt x="3689072" y="6879321"/>
+                </a:cubicBezTo>
+                <a:lnTo>
+                  <a:pt x="0" y="6879321"/>
+                </a:lnTo>
+                <a:close/>
+              </a:path>
+            </a:pathLst>
+          </a:custGeom>
           <a:noFill/>
           <a:extLst>
             <a:ext uri="{909E8E84-426E-40DD-AFC4-6F175D3DCCD1}">
@@ -4040,85 +4394,6 @@
           <a:chExt cx="0" cy="0"/>
         </a:xfrm>
       </p:grpSpPr>
-      <p:sp>
-        <p:nvSpPr>
-          <p:cNvPr id="2" name="Cím 1">
-            <a:extLst>
-              <a:ext uri="{FF2B5EF4-FFF2-40B4-BE49-F238E27FC236}">
-                <a16:creationId xmlns:a16="http://schemas.microsoft.com/office/drawing/2014/main" id="{4015017D-5A47-42B0-9B22-482335F388D2}"/>
-              </a:ext>
-            </a:extLst>
-          </p:cNvPr>
-          <p:cNvSpPr>
-            <a:spLocks noGrp="1"/>
-          </p:cNvSpPr>
-          <p:nvPr>
-            <p:ph type="title"/>
-          </p:nvPr>
-        </p:nvSpPr>
-        <p:spPr/>
-        <p:txBody>
-          <a:bodyPr/>
-          <a:lstStyle/>
-          <a:p>
-            <a:r>
-              <a:rPr lang="hu-HU" b="1" dirty="0">
-                <a:solidFill>
-                  <a:schemeClr val="accent2">
-                    <a:lumMod val="75000"/>
-                  </a:schemeClr>
-                </a:solidFill>
-              </a:rPr>
-              <a:t>A köztársaság vége</a:t>
-            </a:r>
-          </a:p>
-        </p:txBody>
-      </p:sp>
-      <p:sp>
-        <p:nvSpPr>
-          <p:cNvPr id="3" name="Tartalom helye 2">
-            <a:extLst>
-              <a:ext uri="{FF2B5EF4-FFF2-40B4-BE49-F238E27FC236}">
-                <a16:creationId xmlns:a16="http://schemas.microsoft.com/office/drawing/2014/main" id="{AE60AA46-DB36-4788-9F3E-28E3A62FA18B}"/>
-              </a:ext>
-            </a:extLst>
-          </p:cNvPr>
-          <p:cNvSpPr>
-            <a:spLocks noGrp="1"/>
-          </p:cNvSpPr>
-          <p:nvPr>
-            <p:ph idx="1"/>
-          </p:nvPr>
-        </p:nvSpPr>
-        <p:spPr>
-          <a:xfrm>
-            <a:off x="838200" y="1825625"/>
-            <a:ext cx="10515600" cy="4351338"/>
-          </a:xfrm>
-        </p:spPr>
-        <p:txBody>
-          <a:bodyPr/>
-          <a:lstStyle/>
-          <a:p>
-            <a:r>
-              <a:rPr lang="hu-HU" dirty="0"/>
-              <a:t>Caesar halála után Augustus került hatalomra.</a:t>
-            </a:r>
-          </a:p>
-          <a:p>
-            <a:r>
-              <a:rPr lang="hu-HU" dirty="0"/>
-              <a:t>Az egyeduralom folytatódott, véget vetve a köztársaságnak.</a:t>
-            </a:r>
-          </a:p>
-          <a:p>
-            <a:r>
-              <a:rPr lang="hu-HU" dirty="0"/>
-              <a:t>Merénylet Caesar ellen, majd Augustus hatalomra kerülése.</a:t>
-            </a:r>
-          </a:p>
-        </p:txBody>
-      </p:sp>
       <p:pic>
         <p:nvPicPr>
           <p:cNvPr id="2050" name="Picture 2" descr="The age of civil war: political crisis and its consequences at the end of  the Roman Republic, 60-31 BC | Faculty of History University of Cambridge">
@@ -4135,6 +4410,7 @@
         </p:nvPicPr>
         <p:blipFill>
           <a:blip r:embed="rId2">
+            <a:alphaModFix amt="20000"/>
             <a:extLst>
               <a:ext uri="{28A0092B-C50C-407E-A947-70E740481C1C}">
                 <a14:useLocalDpi xmlns:a14="http://schemas.microsoft.com/office/drawing/2010/main" val="0"/>
@@ -4148,8 +4424,8 @@
         </p:blipFill>
         <p:spPr bwMode="auto">
           <a:xfrm>
-            <a:off x="6309640" y="3429000"/>
-            <a:ext cx="5299323" cy="3007366"/>
+            <a:off x="0" y="0"/>
+            <a:ext cx="12192000" cy="6858000"/>
           </a:xfrm>
           <a:prstGeom prst="rect">
             <a:avLst/>
@@ -4166,6 +4442,85 @@
           </a:extLst>
         </p:spPr>
       </p:pic>
+      <p:sp>
+        <p:nvSpPr>
+          <p:cNvPr id="2" name="Cím 1">
+            <a:extLst>
+              <a:ext uri="{FF2B5EF4-FFF2-40B4-BE49-F238E27FC236}">
+                <a16:creationId xmlns:a16="http://schemas.microsoft.com/office/drawing/2014/main" id="{4015017D-5A47-42B0-9B22-482335F388D2}"/>
+              </a:ext>
+            </a:extLst>
+          </p:cNvPr>
+          <p:cNvSpPr>
+            <a:spLocks noGrp="1"/>
+          </p:cNvSpPr>
+          <p:nvPr>
+            <p:ph type="title"/>
+          </p:nvPr>
+        </p:nvSpPr>
+        <p:spPr/>
+        <p:txBody>
+          <a:bodyPr/>
+          <a:lstStyle/>
+          <a:p>
+            <a:r>
+              <a:rPr lang="hu-HU" b="1" dirty="0">
+                <a:solidFill>
+                  <a:schemeClr val="accent2">
+                    <a:lumMod val="75000"/>
+                  </a:schemeClr>
+                </a:solidFill>
+              </a:rPr>
+              <a:t>A köztársaság vége</a:t>
+            </a:r>
+          </a:p>
+        </p:txBody>
+      </p:sp>
+      <p:sp>
+        <p:nvSpPr>
+          <p:cNvPr id="3" name="Tartalom helye 2">
+            <a:extLst>
+              <a:ext uri="{FF2B5EF4-FFF2-40B4-BE49-F238E27FC236}">
+                <a16:creationId xmlns:a16="http://schemas.microsoft.com/office/drawing/2014/main" id="{AE60AA46-DB36-4788-9F3E-28E3A62FA18B}"/>
+              </a:ext>
+            </a:extLst>
+          </p:cNvPr>
+          <p:cNvSpPr>
+            <a:spLocks noGrp="1"/>
+          </p:cNvSpPr>
+          <p:nvPr>
+            <p:ph idx="1"/>
+          </p:nvPr>
+        </p:nvSpPr>
+        <p:spPr>
+          <a:xfrm>
+            <a:off x="838200" y="1825625"/>
+            <a:ext cx="10515600" cy="4351338"/>
+          </a:xfrm>
+        </p:spPr>
+        <p:txBody>
+          <a:bodyPr/>
+          <a:lstStyle/>
+          <a:p>
+            <a:r>
+              <a:rPr lang="hu-HU" dirty="0"/>
+              <a:t>Caesar halála után Augustus került hatalomra.</a:t>
+            </a:r>
+          </a:p>
+          <a:p>
+            <a:r>
+              <a:rPr lang="hu-HU" dirty="0"/>
+              <a:t>Az egyeduralom folytatódott, véget vetve a köztársaságnak.</a:t>
+            </a:r>
+          </a:p>
+          <a:p>
+            <a:r>
+              <a:rPr lang="hu-HU" dirty="0"/>
+              <a:t>Merénylet Caesar ellen, majd Augustus hatalomra kerülése.</a:t>
+            </a:r>
+          </a:p>
+        </p:txBody>
+      </p:sp>
     </p:spTree>
     <p:extLst>
       <p:ext uri="{BB962C8B-B14F-4D97-AF65-F5344CB8AC3E}">
